--- a/Presentation Loan Prediction.pptx
+++ b/Presentation Loan Prediction.pptx
@@ -170,7 +170,7 @@
           <a:noFill/>
           <a:extLst>
             <a:ext uri="{909E8E84-426E-40dd-AFC4-6F175D3DCCD1}">
-              <a14:hiddenFill xmlns:a14="http://schemas.microsoft.com/office/drawing/2010/main" xmlns="">
+              <a14:hiddenFill xmlns="" xmlns:a14="http://schemas.microsoft.com/office/drawing/2010/main">
                 <a:solidFill>
                   <a:srgbClr val="FFFFFF"/>
                 </a:solidFill>
@@ -230,7 +230,7 @@
             </a:ln>
             <a:extLst>
               <a:ext uri="{91240B29-F687-4f45-9708-019B960494DF}">
-                <a14:hiddenLine xmlns:a14="http://schemas.microsoft.com/office/drawing/2010/main" xmlns="" w="9525">
+                <a14:hiddenLine xmlns="" xmlns:a14="http://schemas.microsoft.com/office/drawing/2010/main" w="9525">
                   <a:solidFill>
                     <a:srgbClr val="000000"/>
                   </a:solidFill>
@@ -320,7 +320,7 @@
             </a:ln>
             <a:extLst>
               <a:ext uri="{91240B29-F687-4f45-9708-019B960494DF}">
-                <a14:hiddenLine xmlns:a14="http://schemas.microsoft.com/office/drawing/2010/main" xmlns="" w="9525">
+                <a14:hiddenLine xmlns="" xmlns:a14="http://schemas.microsoft.com/office/drawing/2010/main" w="9525">
                   <a:solidFill>
                     <a:srgbClr val="000000"/>
                   </a:solidFill>
@@ -410,7 +410,7 @@
             </a:ln>
             <a:extLst>
               <a:ext uri="{91240B29-F687-4f45-9708-019B960494DF}">
-                <a14:hiddenLine xmlns:a14="http://schemas.microsoft.com/office/drawing/2010/main" xmlns="" w="9525">
+                <a14:hiddenLine xmlns="" xmlns:a14="http://schemas.microsoft.com/office/drawing/2010/main" w="9525">
                   <a:solidFill>
                     <a:srgbClr val="000000"/>
                   </a:solidFill>
@@ -444,7 +444,7 @@
             </a:ln>
             <a:extLst>
               <a:ext uri="{91240B29-F687-4f45-9708-019B960494DF}">
-                <a14:hiddenLine xmlns:a14="http://schemas.microsoft.com/office/drawing/2010/main" xmlns="" w="9525">
+                <a14:hiddenLine xmlns="" xmlns:a14="http://schemas.microsoft.com/office/drawing/2010/main" w="9525">
                   <a:solidFill>
                     <a:srgbClr val="000000"/>
                   </a:solidFill>
@@ -534,7 +534,7 @@
             </a:ln>
             <a:extLst>
               <a:ext uri="{91240B29-F687-4f45-9708-019B960494DF}">
-                <a14:hiddenLine xmlns:a14="http://schemas.microsoft.com/office/drawing/2010/main" xmlns="" w="9525">
+                <a14:hiddenLine xmlns="" xmlns:a14="http://schemas.microsoft.com/office/drawing/2010/main" w="9525">
                   <a:solidFill>
                     <a:srgbClr val="000000"/>
                   </a:solidFill>
@@ -596,7 +596,7 @@
             </a:ln>
             <a:extLst>
               <a:ext uri="{91240B29-F687-4f45-9708-019B960494DF}">
-                <a14:hiddenLine xmlns:a14="http://schemas.microsoft.com/office/drawing/2010/main" xmlns="" w="9525">
+                <a14:hiddenLine xmlns="" xmlns:a14="http://schemas.microsoft.com/office/drawing/2010/main" w="9525">
                   <a:solidFill>
                     <a:srgbClr val="000000"/>
                   </a:solidFill>
@@ -658,7 +658,7 @@
             </a:ln>
             <a:extLst>
               <a:ext uri="{91240B29-F687-4f45-9708-019B960494DF}">
-                <a14:hiddenLine xmlns:a14="http://schemas.microsoft.com/office/drawing/2010/main" xmlns="" w="9525">
+                <a14:hiddenLine xmlns="" xmlns:a14="http://schemas.microsoft.com/office/drawing/2010/main" w="9525">
                   <a:solidFill>
                     <a:srgbClr val="000000"/>
                   </a:solidFill>
@@ -748,7 +748,7 @@
             </a:ln>
             <a:extLst>
               <a:ext uri="{91240B29-F687-4f45-9708-019B960494DF}">
-                <a14:hiddenLine xmlns:a14="http://schemas.microsoft.com/office/drawing/2010/main" xmlns="" w="9525">
+                <a14:hiddenLine xmlns="" xmlns:a14="http://schemas.microsoft.com/office/drawing/2010/main" w="9525">
                   <a:solidFill>
                     <a:srgbClr val="000000"/>
                   </a:solidFill>
@@ -810,7 +810,7 @@
             </a:ln>
             <a:extLst>
               <a:ext uri="{91240B29-F687-4f45-9708-019B960494DF}">
-                <a14:hiddenLine xmlns:a14="http://schemas.microsoft.com/office/drawing/2010/main" xmlns="" w="9525">
+                <a14:hiddenLine xmlns="" xmlns:a14="http://schemas.microsoft.com/office/drawing/2010/main" w="9525">
                   <a:solidFill>
                     <a:srgbClr val="000000"/>
                   </a:solidFill>
@@ -872,7 +872,7 @@
             </a:ln>
             <a:extLst>
               <a:ext uri="{91240B29-F687-4f45-9708-019B960494DF}">
-                <a14:hiddenLine xmlns:a14="http://schemas.microsoft.com/office/drawing/2010/main" xmlns="" w="9525">
+                <a14:hiddenLine xmlns="" xmlns:a14="http://schemas.microsoft.com/office/drawing/2010/main" w="9525">
                   <a:solidFill>
                     <a:srgbClr val="000000"/>
                   </a:solidFill>
@@ -962,7 +962,7 @@
             </a:ln>
             <a:extLst>
               <a:ext uri="{91240B29-F687-4f45-9708-019B960494DF}">
-                <a14:hiddenLine xmlns:a14="http://schemas.microsoft.com/office/drawing/2010/main" xmlns="" w="9525">
+                <a14:hiddenLine xmlns="" xmlns:a14="http://schemas.microsoft.com/office/drawing/2010/main" w="9525">
                   <a:solidFill>
                     <a:srgbClr val="000000"/>
                   </a:solidFill>
@@ -1052,7 +1052,7 @@
             </a:ln>
             <a:extLst>
               <a:ext uri="{91240B29-F687-4f45-9708-019B960494DF}">
-                <a14:hiddenLine xmlns:a14="http://schemas.microsoft.com/office/drawing/2010/main" xmlns="" w="9525">
+                <a14:hiddenLine xmlns="" xmlns:a14="http://schemas.microsoft.com/office/drawing/2010/main" w="9525">
                   <a:solidFill>
                     <a:srgbClr val="000000"/>
                   </a:solidFill>
@@ -1114,7 +1114,7 @@
             </a:ln>
             <a:extLst>
               <a:ext uri="{91240B29-F687-4f45-9708-019B960494DF}">
-                <a14:hiddenLine xmlns:a14="http://schemas.microsoft.com/office/drawing/2010/main" xmlns="" w="9525">
+                <a14:hiddenLine xmlns="" xmlns:a14="http://schemas.microsoft.com/office/drawing/2010/main" w="9525">
                   <a:solidFill>
                     <a:srgbClr val="000000"/>
                   </a:solidFill>
@@ -1224,7 +1224,7 @@
             </a:ln>
             <a:extLst>
               <a:ext uri="{91240B29-F687-4f45-9708-019B960494DF}">
-                <a14:hiddenLine xmlns:a14="http://schemas.microsoft.com/office/drawing/2010/main" xmlns="" w="9525">
+                <a14:hiddenLine xmlns="" xmlns:a14="http://schemas.microsoft.com/office/drawing/2010/main" w="9525">
                   <a:solidFill>
                     <a:srgbClr val="000000"/>
                   </a:solidFill>
@@ -1286,7 +1286,7 @@
             </a:ln>
             <a:extLst>
               <a:ext uri="{91240B29-F687-4f45-9708-019B960494DF}">
-                <a14:hiddenLine xmlns:a14="http://schemas.microsoft.com/office/drawing/2010/main" xmlns="" w="9525">
+                <a14:hiddenLine xmlns="" xmlns:a14="http://schemas.microsoft.com/office/drawing/2010/main" w="9525">
                   <a:solidFill>
                     <a:srgbClr val="000000"/>
                   </a:solidFill>
@@ -1376,7 +1376,7 @@
             </a:ln>
             <a:extLst>
               <a:ext uri="{91240B29-F687-4f45-9708-019B960494DF}">
-                <a14:hiddenLine xmlns:a14="http://schemas.microsoft.com/office/drawing/2010/main" xmlns="" w="9525">
+                <a14:hiddenLine xmlns="" xmlns:a14="http://schemas.microsoft.com/office/drawing/2010/main" w="9525">
                   <a:solidFill>
                     <a:srgbClr val="000000"/>
                   </a:solidFill>
@@ -1466,7 +1466,7 @@
             </a:ln>
             <a:extLst>
               <a:ext uri="{91240B29-F687-4f45-9708-019B960494DF}">
-                <a14:hiddenLine xmlns:a14="http://schemas.microsoft.com/office/drawing/2010/main" xmlns="" w="9525">
+                <a14:hiddenLine xmlns="" xmlns:a14="http://schemas.microsoft.com/office/drawing/2010/main" w="9525">
                   <a:solidFill>
                     <a:srgbClr val="000000"/>
                   </a:solidFill>
@@ -1528,7 +1528,7 @@
             </a:ln>
             <a:extLst>
               <a:ext uri="{91240B29-F687-4f45-9708-019B960494DF}">
-                <a14:hiddenLine xmlns:a14="http://schemas.microsoft.com/office/drawing/2010/main" xmlns="" w="9525">
+                <a14:hiddenLine xmlns="" xmlns:a14="http://schemas.microsoft.com/office/drawing/2010/main" w="9525">
                   <a:solidFill>
                     <a:srgbClr val="000000"/>
                   </a:solidFill>
@@ -1618,7 +1618,7 @@
             </a:ln>
             <a:extLst>
               <a:ext uri="{91240B29-F687-4f45-9708-019B960494DF}">
-                <a14:hiddenLine xmlns:a14="http://schemas.microsoft.com/office/drawing/2010/main" xmlns="" w="9525">
+                <a14:hiddenLine xmlns="" xmlns:a14="http://schemas.microsoft.com/office/drawing/2010/main" w="9525">
                   <a:solidFill>
                     <a:srgbClr val="000000"/>
                   </a:solidFill>
@@ -1708,7 +1708,7 @@
             </a:ln>
             <a:extLst>
               <a:ext uri="{91240B29-F687-4f45-9708-019B960494DF}">
-                <a14:hiddenLine xmlns:a14="http://schemas.microsoft.com/office/drawing/2010/main" xmlns="" w="9525">
+                <a14:hiddenLine xmlns="" xmlns:a14="http://schemas.microsoft.com/office/drawing/2010/main" w="9525">
                   <a:solidFill>
                     <a:srgbClr val="000000"/>
                   </a:solidFill>
@@ -1764,7 +1764,7 @@
             </a:ln>
             <a:extLst>
               <a:ext uri="{91240B29-F687-4f45-9708-019B960494DF}">
-                <a14:hiddenLine xmlns:a14="http://schemas.microsoft.com/office/drawing/2010/main" xmlns="" w="9525">
+                <a14:hiddenLine xmlns="" xmlns:a14="http://schemas.microsoft.com/office/drawing/2010/main" w="9525">
                   <a:solidFill>
                     <a:srgbClr val="000000"/>
                   </a:solidFill>
@@ -1854,7 +1854,7 @@
             </a:ln>
             <a:extLst>
               <a:ext uri="{91240B29-F687-4f45-9708-019B960494DF}">
-                <a14:hiddenLine xmlns:a14="http://schemas.microsoft.com/office/drawing/2010/main" xmlns="" w="9525">
+                <a14:hiddenLine xmlns="" xmlns:a14="http://schemas.microsoft.com/office/drawing/2010/main" w="9525">
                   <a:solidFill>
                     <a:srgbClr val="000000"/>
                   </a:solidFill>
@@ -1910,7 +1910,7 @@
             </a:ln>
             <a:extLst>
               <a:ext uri="{91240B29-F687-4f45-9708-019B960494DF}">
-                <a14:hiddenLine xmlns:a14="http://schemas.microsoft.com/office/drawing/2010/main" xmlns="" w="9525">
+                <a14:hiddenLine xmlns="" xmlns:a14="http://schemas.microsoft.com/office/drawing/2010/main" w="9525">
                   <a:solidFill>
                     <a:srgbClr val="000000"/>
                   </a:solidFill>
@@ -2000,7 +2000,7 @@
             </a:ln>
             <a:extLst>
               <a:ext uri="{91240B29-F687-4f45-9708-019B960494DF}">
-                <a14:hiddenLine xmlns:a14="http://schemas.microsoft.com/office/drawing/2010/main" xmlns="" w="9525">
+                <a14:hiddenLine xmlns="" xmlns:a14="http://schemas.microsoft.com/office/drawing/2010/main" w="9525">
                   <a:solidFill>
                     <a:srgbClr val="000000"/>
                   </a:solidFill>
@@ -2068,7 +2068,7 @@
             </a:ln>
             <a:extLst>
               <a:ext uri="{91240B29-F687-4f45-9708-019B960494DF}">
-                <a14:hiddenLine xmlns:a14="http://schemas.microsoft.com/office/drawing/2010/main" xmlns="" w="9525">
+                <a14:hiddenLine xmlns="" xmlns:a14="http://schemas.microsoft.com/office/drawing/2010/main" w="9525">
                   <a:solidFill>
                     <a:srgbClr val="000000"/>
                   </a:solidFill>
@@ -2158,7 +2158,7 @@
             </a:ln>
             <a:extLst>
               <a:ext uri="{91240B29-F687-4f45-9708-019B960494DF}">
-                <a14:hiddenLine xmlns:a14="http://schemas.microsoft.com/office/drawing/2010/main" xmlns="" w="9525">
+                <a14:hiddenLine xmlns="" xmlns:a14="http://schemas.microsoft.com/office/drawing/2010/main" w="9525">
                   <a:solidFill>
                     <a:srgbClr val="000000"/>
                   </a:solidFill>
@@ -2226,7 +2226,7 @@
             </a:ln>
             <a:extLst>
               <a:ext uri="{91240B29-F687-4f45-9708-019B960494DF}">
-                <a14:hiddenLine xmlns:a14="http://schemas.microsoft.com/office/drawing/2010/main" xmlns="" w="9525">
+                <a14:hiddenLine xmlns="" xmlns:a14="http://schemas.microsoft.com/office/drawing/2010/main" w="9525">
                   <a:solidFill>
                     <a:srgbClr val="000000"/>
                   </a:solidFill>
@@ -2316,7 +2316,7 @@
             </a:ln>
             <a:extLst>
               <a:ext uri="{91240B29-F687-4f45-9708-019B960494DF}">
-                <a14:hiddenLine xmlns:a14="http://schemas.microsoft.com/office/drawing/2010/main" xmlns="" w="9525">
+                <a14:hiddenLine xmlns="" xmlns:a14="http://schemas.microsoft.com/office/drawing/2010/main" w="9525">
                   <a:solidFill>
                     <a:srgbClr val="000000"/>
                   </a:solidFill>
@@ -2350,7 +2350,7 @@
             </a:ln>
             <a:extLst>
               <a:ext uri="{91240B29-F687-4f45-9708-019B960494DF}">
-                <a14:hiddenLine xmlns:a14="http://schemas.microsoft.com/office/drawing/2010/main" xmlns="" w="9525">
+                <a14:hiddenLine xmlns="" xmlns:a14="http://schemas.microsoft.com/office/drawing/2010/main" w="9525">
                   <a:solidFill>
                     <a:srgbClr val="000000"/>
                   </a:solidFill>
@@ -2440,7 +2440,7 @@
             </a:ln>
             <a:extLst>
               <a:ext uri="{91240B29-F687-4f45-9708-019B960494DF}">
-                <a14:hiddenLine xmlns:a14="http://schemas.microsoft.com/office/drawing/2010/main" xmlns="" w="9525">
+                <a14:hiddenLine xmlns="" xmlns:a14="http://schemas.microsoft.com/office/drawing/2010/main" w="9525">
                   <a:solidFill>
                     <a:srgbClr val="000000"/>
                   </a:solidFill>
@@ -2502,7 +2502,7 @@
             </a:ln>
             <a:extLst>
               <a:ext uri="{91240B29-F687-4f45-9708-019B960494DF}">
-                <a14:hiddenLine xmlns:a14="http://schemas.microsoft.com/office/drawing/2010/main" xmlns="" w="9525">
+                <a14:hiddenLine xmlns="" xmlns:a14="http://schemas.microsoft.com/office/drawing/2010/main" w="9525">
                   <a:solidFill>
                     <a:srgbClr val="000000"/>
                   </a:solidFill>
@@ -2564,7 +2564,7 @@
             </a:ln>
             <a:extLst>
               <a:ext uri="{91240B29-F687-4f45-9708-019B960494DF}">
-                <a14:hiddenLine xmlns:a14="http://schemas.microsoft.com/office/drawing/2010/main" xmlns="" w="9525">
+                <a14:hiddenLine xmlns="" xmlns:a14="http://schemas.microsoft.com/office/drawing/2010/main" w="9525">
                   <a:solidFill>
                     <a:srgbClr val="000000"/>
                   </a:solidFill>
@@ -2654,7 +2654,7 @@
             </a:ln>
             <a:extLst>
               <a:ext uri="{91240B29-F687-4f45-9708-019B960494DF}">
-                <a14:hiddenLine xmlns:a14="http://schemas.microsoft.com/office/drawing/2010/main" xmlns="" w="9525">
+                <a14:hiddenLine xmlns="" xmlns:a14="http://schemas.microsoft.com/office/drawing/2010/main" w="9525">
                   <a:solidFill>
                     <a:srgbClr val="000000"/>
                   </a:solidFill>
@@ -2722,7 +2722,7 @@
             </a:ln>
             <a:extLst>
               <a:ext uri="{91240B29-F687-4f45-9708-019B960494DF}">
-                <a14:hiddenLine xmlns:a14="http://schemas.microsoft.com/office/drawing/2010/main" xmlns="" w="9525">
+                <a14:hiddenLine xmlns="" xmlns:a14="http://schemas.microsoft.com/office/drawing/2010/main" w="9525">
                   <a:solidFill>
                     <a:srgbClr val="000000"/>
                   </a:solidFill>
@@ -2784,7 +2784,7 @@
             </a:ln>
             <a:extLst>
               <a:ext uri="{91240B29-F687-4f45-9708-019B960494DF}">
-                <a14:hiddenLine xmlns:a14="http://schemas.microsoft.com/office/drawing/2010/main" xmlns="" w="9525">
+                <a14:hiddenLine xmlns="" xmlns:a14="http://schemas.microsoft.com/office/drawing/2010/main" w="9525">
                   <a:solidFill>
                     <a:srgbClr val="000000"/>
                   </a:solidFill>
@@ -2874,7 +2874,7 @@
             </a:ln>
             <a:extLst>
               <a:ext uri="{91240B29-F687-4f45-9708-019B960494DF}">
-                <a14:hiddenLine xmlns:a14="http://schemas.microsoft.com/office/drawing/2010/main" xmlns="" w="9525">
+                <a14:hiddenLine xmlns="" xmlns:a14="http://schemas.microsoft.com/office/drawing/2010/main" w="9525">
                   <a:solidFill>
                     <a:srgbClr val="000000"/>
                   </a:solidFill>
@@ -2936,7 +2936,7 @@
             </a:ln>
             <a:extLst>
               <a:ext uri="{91240B29-F687-4f45-9708-019B960494DF}">
-                <a14:hiddenLine xmlns:a14="http://schemas.microsoft.com/office/drawing/2010/main" xmlns="" w="9525">
+                <a14:hiddenLine xmlns="" xmlns:a14="http://schemas.microsoft.com/office/drawing/2010/main" w="9525">
                   <a:solidFill>
                     <a:srgbClr val="000000"/>
                   </a:solidFill>
@@ -3026,7 +3026,7 @@
             </a:ln>
             <a:extLst>
               <a:ext uri="{91240B29-F687-4f45-9708-019B960494DF}">
-                <a14:hiddenLine xmlns:a14="http://schemas.microsoft.com/office/drawing/2010/main" xmlns="" w="9525">
+                <a14:hiddenLine xmlns="" xmlns:a14="http://schemas.microsoft.com/office/drawing/2010/main" w="9525">
                   <a:solidFill>
                     <a:srgbClr val="000000"/>
                   </a:solidFill>
@@ -3088,7 +3088,7 @@
             </a:ln>
             <a:extLst>
               <a:ext uri="{91240B29-F687-4f45-9708-019B960494DF}">
-                <a14:hiddenLine xmlns:a14="http://schemas.microsoft.com/office/drawing/2010/main" xmlns="" w="9525">
+                <a14:hiddenLine xmlns="" xmlns:a14="http://schemas.microsoft.com/office/drawing/2010/main" w="9525">
                   <a:solidFill>
                     <a:srgbClr val="000000"/>
                   </a:solidFill>
@@ -3178,7 +3178,7 @@
             </a:ln>
             <a:extLst>
               <a:ext uri="{91240B29-F687-4f45-9708-019B960494DF}">
-                <a14:hiddenLine xmlns:a14="http://schemas.microsoft.com/office/drawing/2010/main" xmlns="" w="9525">
+                <a14:hiddenLine xmlns="" xmlns:a14="http://schemas.microsoft.com/office/drawing/2010/main" w="9525">
                   <a:solidFill>
                     <a:srgbClr val="000000"/>
                   </a:solidFill>
@@ -3212,7 +3212,7 @@
             </a:ln>
             <a:extLst>
               <a:ext uri="{91240B29-F687-4f45-9708-019B960494DF}">
-                <a14:hiddenLine xmlns:a14="http://schemas.microsoft.com/office/drawing/2010/main" xmlns="" w="9525">
+                <a14:hiddenLine xmlns="" xmlns:a14="http://schemas.microsoft.com/office/drawing/2010/main" w="9525">
                   <a:solidFill>
                     <a:srgbClr val="000000"/>
                   </a:solidFill>
@@ -3277,7 +3277,7 @@
             </a:ln>
             <a:extLst>
               <a:ext uri="{91240B29-F687-4f45-9708-019B960494DF}">
-                <a14:hiddenLine xmlns:a14="http://schemas.microsoft.com/office/drawing/2010/main" xmlns="" w="9525">
+                <a14:hiddenLine xmlns="" xmlns:a14="http://schemas.microsoft.com/office/drawing/2010/main" w="9525">
                   <a:solidFill>
                     <a:srgbClr val="000000"/>
                   </a:solidFill>
@@ -3367,7 +3367,7 @@
             </a:ln>
             <a:extLst>
               <a:ext uri="{91240B29-F687-4f45-9708-019B960494DF}">
-                <a14:hiddenLine xmlns:a14="http://schemas.microsoft.com/office/drawing/2010/main" xmlns="" w="9525">
+                <a14:hiddenLine xmlns="" xmlns:a14="http://schemas.microsoft.com/office/drawing/2010/main" w="9525">
                   <a:solidFill>
                     <a:srgbClr val="000000"/>
                   </a:solidFill>
@@ -3429,7 +3429,7 @@
             </a:ln>
             <a:extLst>
               <a:ext uri="{91240B29-F687-4f45-9708-019B960494DF}">
-                <a14:hiddenLine xmlns:a14="http://schemas.microsoft.com/office/drawing/2010/main" xmlns="" w="9525">
+                <a14:hiddenLine xmlns="" xmlns:a14="http://schemas.microsoft.com/office/drawing/2010/main" w="9525">
                   <a:solidFill>
                     <a:srgbClr val="000000"/>
                   </a:solidFill>
@@ -3519,7 +3519,7 @@
             </a:ln>
             <a:extLst>
               <a:ext uri="{91240B29-F687-4f45-9708-019B960494DF}">
-                <a14:hiddenLine xmlns:a14="http://schemas.microsoft.com/office/drawing/2010/main" xmlns="" w="9525">
+                <a14:hiddenLine xmlns="" xmlns:a14="http://schemas.microsoft.com/office/drawing/2010/main" w="9525">
                   <a:solidFill>
                     <a:srgbClr val="000000"/>
                   </a:solidFill>
@@ -3609,7 +3609,7 @@
             </a:ln>
             <a:extLst>
               <a:ext uri="{91240B29-F687-4f45-9708-019B960494DF}">
-                <a14:hiddenLine xmlns:a14="http://schemas.microsoft.com/office/drawing/2010/main" xmlns="" w="9525">
+                <a14:hiddenLine xmlns="" xmlns:a14="http://schemas.microsoft.com/office/drawing/2010/main" w="9525">
                   <a:solidFill>
                     <a:srgbClr val="000000"/>
                   </a:solidFill>
@@ -3674,7 +3674,7 @@
             </a:ln>
             <a:extLst>
               <a:ext uri="{91240B29-F687-4f45-9708-019B960494DF}">
-                <a14:hiddenLine xmlns:a14="http://schemas.microsoft.com/office/drawing/2010/main" xmlns="" w="9525">
+                <a14:hiddenLine xmlns="" xmlns:a14="http://schemas.microsoft.com/office/drawing/2010/main" w="9525">
                   <a:solidFill>
                     <a:srgbClr val="000000"/>
                   </a:solidFill>
@@ -3736,7 +3736,7 @@
             </a:ln>
             <a:extLst>
               <a:ext uri="{91240B29-F687-4f45-9708-019B960494DF}">
-                <a14:hiddenLine xmlns:a14="http://schemas.microsoft.com/office/drawing/2010/main" xmlns="" w="9525">
+                <a14:hiddenLine xmlns="" xmlns:a14="http://schemas.microsoft.com/office/drawing/2010/main" w="9525">
                   <a:solidFill>
                     <a:srgbClr val="000000"/>
                   </a:solidFill>
@@ -3826,7 +3826,7 @@
             </a:ln>
             <a:extLst>
               <a:ext uri="{91240B29-F687-4f45-9708-019B960494DF}">
-                <a14:hiddenLine xmlns:a14="http://schemas.microsoft.com/office/drawing/2010/main" xmlns="" w="9525">
+                <a14:hiddenLine xmlns="" xmlns:a14="http://schemas.microsoft.com/office/drawing/2010/main" w="9525">
                   <a:solidFill>
                     <a:srgbClr val="000000"/>
                   </a:solidFill>
@@ -3916,7 +3916,7 @@
             </a:ln>
             <a:extLst>
               <a:ext uri="{91240B29-F687-4f45-9708-019B960494DF}">
-                <a14:hiddenLine xmlns:a14="http://schemas.microsoft.com/office/drawing/2010/main" xmlns="" w="9525">
+                <a14:hiddenLine xmlns="" xmlns:a14="http://schemas.microsoft.com/office/drawing/2010/main" w="9525">
                   <a:solidFill>
                     <a:srgbClr val="000000"/>
                   </a:solidFill>
@@ -3978,7 +3978,7 @@
             </a:ln>
             <a:extLst>
               <a:ext uri="{91240B29-F687-4f45-9708-019B960494DF}">
-                <a14:hiddenLine xmlns:a14="http://schemas.microsoft.com/office/drawing/2010/main" xmlns="" w="9525">
+                <a14:hiddenLine xmlns="" xmlns:a14="http://schemas.microsoft.com/office/drawing/2010/main" w="9525">
                   <a:solidFill>
                     <a:srgbClr val="000000"/>
                   </a:solidFill>
@@ -4098,7 +4098,7 @@
             </a:ln>
             <a:extLst>
               <a:ext uri="{91240B29-F687-4f45-9708-019B960494DF}">
-                <a14:hiddenLine xmlns:a14="http://schemas.microsoft.com/office/drawing/2010/main" xmlns="" w="9525">
+                <a14:hiddenLine xmlns="" xmlns:a14="http://schemas.microsoft.com/office/drawing/2010/main" w="9525">
                   <a:solidFill>
                     <a:srgbClr val="000000"/>
                   </a:solidFill>
@@ -4166,7 +4166,7 @@
             </a:ln>
             <a:extLst>
               <a:ext uri="{91240B29-F687-4f45-9708-019B960494DF}">
-                <a14:hiddenLine xmlns:a14="http://schemas.microsoft.com/office/drawing/2010/main" xmlns="" w="9525">
+                <a14:hiddenLine xmlns="" xmlns:a14="http://schemas.microsoft.com/office/drawing/2010/main" w="9525">
                   <a:solidFill>
                     <a:srgbClr val="000000"/>
                   </a:solidFill>
@@ -4256,7 +4256,7 @@
             </a:ln>
             <a:extLst>
               <a:ext uri="{91240B29-F687-4f45-9708-019B960494DF}">
-                <a14:hiddenLine xmlns:a14="http://schemas.microsoft.com/office/drawing/2010/main" xmlns="" w="9525">
+                <a14:hiddenLine xmlns="" xmlns:a14="http://schemas.microsoft.com/office/drawing/2010/main" w="9525">
                   <a:solidFill>
                     <a:srgbClr val="000000"/>
                   </a:solidFill>
@@ -4396,7 +4396,7 @@
           <a:p>
             <a:fld id="{B85948E5-B690-4847-83B9-BA9B9A1CA96D}" type="datetimeFigureOut">
               <a:rPr lang="en-US" smtClean="0"/>
-              <a:t>4/13/22</a:t>
+              <a:t>4/14/22</a:t>
             </a:fld>
             <a:endParaRPr lang="en-US"/>
           </a:p>
@@ -4663,7 +4663,7 @@
           <a:p>
             <a:fld id="{B85948E5-B690-4847-83B9-BA9B9A1CA96D}" type="datetimeFigureOut">
               <a:rPr lang="en-US" smtClean="0"/>
-              <a:t>4/13/22</a:t>
+              <a:t>4/14/22</a:t>
             </a:fld>
             <a:endParaRPr lang="en-US"/>
           </a:p>
@@ -4859,7 +4859,7 @@
           <a:p>
             <a:fld id="{B85948E5-B690-4847-83B9-BA9B9A1CA96D}" type="datetimeFigureOut">
               <a:rPr lang="en-US" smtClean="0"/>
-              <a:t>4/13/22</a:t>
+              <a:t>4/14/22</a:t>
             </a:fld>
             <a:endParaRPr lang="en-US"/>
           </a:p>
@@ -5122,7 +5122,7 @@
           <a:p>
             <a:fld id="{B85948E5-B690-4847-83B9-BA9B9A1CA96D}" type="datetimeFigureOut">
               <a:rPr lang="en-US" smtClean="0"/>
-              <a:t>4/13/22</a:t>
+              <a:t>4/14/22</a:t>
             </a:fld>
             <a:endParaRPr lang="en-US"/>
           </a:p>
@@ -5556,7 +5556,7 @@
           <a:p>
             <a:fld id="{B85948E5-B690-4847-83B9-BA9B9A1CA96D}" type="datetimeFigureOut">
               <a:rPr lang="en-US" smtClean="0"/>
-              <a:t>4/13/22</a:t>
+              <a:t>4/14/22</a:t>
             </a:fld>
             <a:endParaRPr lang="en-US"/>
           </a:p>
@@ -6102,7 +6102,7 @@
           <a:p>
             <a:fld id="{B85948E5-B690-4847-83B9-BA9B9A1CA96D}" type="datetimeFigureOut">
               <a:rPr lang="en-US" smtClean="0"/>
-              <a:t>4/13/22</a:t>
+              <a:t>4/14/22</a:t>
             </a:fld>
             <a:endParaRPr lang="en-US"/>
           </a:p>
@@ -6822,7 +6822,7 @@
           <a:p>
             <a:fld id="{B85948E5-B690-4847-83B9-BA9B9A1CA96D}" type="datetimeFigureOut">
               <a:rPr lang="en-US" smtClean="0"/>
-              <a:t>4/13/22</a:t>
+              <a:t>4/14/22</a:t>
             </a:fld>
             <a:endParaRPr lang="en-US"/>
           </a:p>
@@ -6992,7 +6992,7 @@
           <a:p>
             <a:fld id="{B85948E5-B690-4847-83B9-BA9B9A1CA96D}" type="datetimeFigureOut">
               <a:rPr lang="en-US" smtClean="0"/>
-              <a:t>4/13/22</a:t>
+              <a:t>4/14/22</a:t>
             </a:fld>
             <a:endParaRPr lang="en-US"/>
           </a:p>
@@ -7172,7 +7172,7 @@
           <a:p>
             <a:fld id="{B85948E5-B690-4847-83B9-BA9B9A1CA96D}" type="datetimeFigureOut">
               <a:rPr lang="en-US" smtClean="0"/>
-              <a:t>4/13/22</a:t>
+              <a:t>4/14/22</a:t>
             </a:fld>
             <a:endParaRPr lang="en-US"/>
           </a:p>
@@ -7342,7 +7342,7 @@
           <a:p>
             <a:fld id="{B85948E5-B690-4847-83B9-BA9B9A1CA96D}" type="datetimeFigureOut">
               <a:rPr lang="en-US" smtClean="0"/>
-              <a:t>4/13/22</a:t>
+              <a:t>4/14/22</a:t>
             </a:fld>
             <a:endParaRPr lang="en-US"/>
           </a:p>
@@ -7592,7 +7592,7 @@
           <a:p>
             <a:fld id="{B85948E5-B690-4847-83B9-BA9B9A1CA96D}" type="datetimeFigureOut">
               <a:rPr lang="en-US" smtClean="0"/>
-              <a:t>4/13/22</a:t>
+              <a:t>4/14/22</a:t>
             </a:fld>
             <a:endParaRPr lang="en-US"/>
           </a:p>
@@ -7824,7 +7824,7 @@
           <a:p>
             <a:fld id="{B85948E5-B690-4847-83B9-BA9B9A1CA96D}" type="datetimeFigureOut">
               <a:rPr lang="en-US" smtClean="0"/>
-              <a:t>4/13/22</a:t>
+              <a:t>4/14/22</a:t>
             </a:fld>
             <a:endParaRPr lang="en-US"/>
           </a:p>
@@ -8205,7 +8205,7 @@
           <a:p>
             <a:fld id="{B85948E5-B690-4847-83B9-BA9B9A1CA96D}" type="datetimeFigureOut">
               <a:rPr lang="en-US" smtClean="0"/>
-              <a:t>4/13/22</a:t>
+              <a:t>4/14/22</a:t>
             </a:fld>
             <a:endParaRPr lang="en-US"/>
           </a:p>
@@ -8323,7 +8323,7 @@
           <a:p>
             <a:fld id="{B85948E5-B690-4847-83B9-BA9B9A1CA96D}" type="datetimeFigureOut">
               <a:rPr lang="en-US" smtClean="0"/>
-              <a:t>4/13/22</a:t>
+              <a:t>4/14/22</a:t>
             </a:fld>
             <a:endParaRPr lang="en-US"/>
           </a:p>
@@ -8418,7 +8418,7 @@
           <a:p>
             <a:fld id="{B85948E5-B690-4847-83B9-BA9B9A1CA96D}" type="datetimeFigureOut">
               <a:rPr lang="en-US" smtClean="0"/>
-              <a:t>4/13/22</a:t>
+              <a:t>4/14/22</a:t>
             </a:fld>
             <a:endParaRPr lang="en-US"/>
           </a:p>
@@ -8667,7 +8667,7 @@
           <a:p>
             <a:fld id="{B85948E5-B690-4847-83B9-BA9B9A1CA96D}" type="datetimeFigureOut">
               <a:rPr lang="en-US" smtClean="0"/>
-              <a:t>4/13/22</a:t>
+              <a:t>4/14/22</a:t>
             </a:fld>
             <a:endParaRPr lang="en-US"/>
           </a:p>
@@ -8947,7 +8947,7 @@
           <a:p>
             <a:fld id="{B85948E5-B690-4847-83B9-BA9B9A1CA96D}" type="datetimeFigureOut">
               <a:rPr lang="en-US" smtClean="0"/>
-              <a:t>4/13/22</a:t>
+              <a:t>4/14/22</a:t>
             </a:fld>
             <a:endParaRPr lang="en-US"/>
           </a:p>
@@ -9063,7 +9063,7 @@
           <a:noFill/>
           <a:extLst>
             <a:ext uri="{909E8E84-426E-40dd-AFC4-6F175D3DCCD1}">
-              <a14:hiddenFill xmlns:a14="http://schemas.microsoft.com/office/drawing/2010/main" xmlns="">
+              <a14:hiddenFill xmlns="" xmlns:a14="http://schemas.microsoft.com/office/drawing/2010/main">
                 <a:solidFill>
                   <a:srgbClr val="FFFFFF"/>
                 </a:solidFill>
@@ -9137,7 +9137,7 @@
               </a:ln>
               <a:extLst>
                 <a:ext uri="{91240B29-F687-4f45-9708-019B960494DF}">
-                  <a14:hiddenLine xmlns:a14="http://schemas.microsoft.com/office/drawing/2010/main" xmlns="" w="9525">
+                  <a14:hiddenLine xmlns="" xmlns:a14="http://schemas.microsoft.com/office/drawing/2010/main" w="9525">
                     <a:solidFill>
                       <a:srgbClr val="000000"/>
                     </a:solidFill>
@@ -9227,7 +9227,7 @@
               </a:ln>
               <a:extLst>
                 <a:ext uri="{91240B29-F687-4f45-9708-019B960494DF}">
-                  <a14:hiddenLine xmlns:a14="http://schemas.microsoft.com/office/drawing/2010/main" xmlns="" w="9525">
+                  <a14:hiddenLine xmlns="" xmlns:a14="http://schemas.microsoft.com/office/drawing/2010/main" w="9525">
                     <a:solidFill>
                       <a:srgbClr val="000000"/>
                     </a:solidFill>
@@ -9317,7 +9317,7 @@
               </a:ln>
               <a:extLst>
                 <a:ext uri="{91240B29-F687-4f45-9708-019B960494DF}">
-                  <a14:hiddenLine xmlns:a14="http://schemas.microsoft.com/office/drawing/2010/main" xmlns="" w="9525">
+                  <a14:hiddenLine xmlns="" xmlns:a14="http://schemas.microsoft.com/office/drawing/2010/main" w="9525">
                     <a:solidFill>
                       <a:srgbClr val="000000"/>
                     </a:solidFill>
@@ -9379,7 +9379,7 @@
               </a:ln>
               <a:extLst>
                 <a:ext uri="{91240B29-F687-4f45-9708-019B960494DF}">
-                  <a14:hiddenLine xmlns:a14="http://schemas.microsoft.com/office/drawing/2010/main" xmlns="" w="9525">
+                  <a14:hiddenLine xmlns="" xmlns:a14="http://schemas.microsoft.com/office/drawing/2010/main" w="9525">
                     <a:solidFill>
                       <a:srgbClr val="000000"/>
                     </a:solidFill>
@@ -9469,7 +9469,7 @@
               </a:ln>
               <a:extLst>
                 <a:ext uri="{91240B29-F687-4f45-9708-019B960494DF}">
-                  <a14:hiddenLine xmlns:a14="http://schemas.microsoft.com/office/drawing/2010/main" xmlns="" w="9525">
+                  <a14:hiddenLine xmlns="" xmlns:a14="http://schemas.microsoft.com/office/drawing/2010/main" w="9525">
                     <a:solidFill>
                       <a:srgbClr val="000000"/>
                     </a:solidFill>
@@ -9531,7 +9531,7 @@
               </a:ln>
               <a:extLst>
                 <a:ext uri="{91240B29-F687-4f45-9708-019B960494DF}">
-                  <a14:hiddenLine xmlns:a14="http://schemas.microsoft.com/office/drawing/2010/main" xmlns="" w="9525">
+                  <a14:hiddenLine xmlns="" xmlns:a14="http://schemas.microsoft.com/office/drawing/2010/main" w="9525">
                     <a:solidFill>
                       <a:srgbClr val="000000"/>
                     </a:solidFill>
@@ -9593,7 +9593,7 @@
               </a:ln>
               <a:extLst>
                 <a:ext uri="{91240B29-F687-4f45-9708-019B960494DF}">
-                  <a14:hiddenLine xmlns:a14="http://schemas.microsoft.com/office/drawing/2010/main" xmlns="" w="9525">
+                  <a14:hiddenLine xmlns="" xmlns:a14="http://schemas.microsoft.com/office/drawing/2010/main" w="9525">
                     <a:solidFill>
                       <a:srgbClr val="000000"/>
                     </a:solidFill>
@@ -9683,7 +9683,7 @@
               </a:ln>
               <a:extLst>
                 <a:ext uri="{91240B29-F687-4f45-9708-019B960494DF}">
-                  <a14:hiddenLine xmlns:a14="http://schemas.microsoft.com/office/drawing/2010/main" xmlns="" w="9525">
+                  <a14:hiddenLine xmlns="" xmlns:a14="http://schemas.microsoft.com/office/drawing/2010/main" w="9525">
                     <a:solidFill>
                       <a:srgbClr val="000000"/>
                     </a:solidFill>
@@ -9773,7 +9773,7 @@
               </a:ln>
               <a:extLst>
                 <a:ext uri="{91240B29-F687-4f45-9708-019B960494DF}">
-                  <a14:hiddenLine xmlns:a14="http://schemas.microsoft.com/office/drawing/2010/main" xmlns="" w="9525">
+                  <a14:hiddenLine xmlns="" xmlns:a14="http://schemas.microsoft.com/office/drawing/2010/main" w="9525">
                     <a:solidFill>
                       <a:srgbClr val="000000"/>
                     </a:solidFill>
@@ -9835,7 +9835,7 @@
               </a:ln>
               <a:extLst>
                 <a:ext uri="{91240B29-F687-4f45-9708-019B960494DF}">
-                  <a14:hiddenLine xmlns:a14="http://schemas.microsoft.com/office/drawing/2010/main" xmlns="" w="9525">
+                  <a14:hiddenLine xmlns="" xmlns:a14="http://schemas.microsoft.com/office/drawing/2010/main" w="9525">
                     <a:solidFill>
                       <a:srgbClr val="000000"/>
                     </a:solidFill>
@@ -9945,7 +9945,7 @@
               </a:ln>
               <a:extLst>
                 <a:ext uri="{91240B29-F687-4f45-9708-019B960494DF}">
-                  <a14:hiddenLine xmlns:a14="http://schemas.microsoft.com/office/drawing/2010/main" xmlns="" w="9525">
+                  <a14:hiddenLine xmlns="" xmlns:a14="http://schemas.microsoft.com/office/drawing/2010/main" w="9525">
                     <a:solidFill>
                       <a:srgbClr val="000000"/>
                     </a:solidFill>
@@ -10029,7 +10029,7 @@
               </a:ln>
               <a:extLst>
                 <a:ext uri="{91240B29-F687-4f45-9708-019B960494DF}">
-                  <a14:hiddenLine xmlns:a14="http://schemas.microsoft.com/office/drawing/2010/main" xmlns="" w="9525">
+                  <a14:hiddenLine xmlns="" xmlns:a14="http://schemas.microsoft.com/office/drawing/2010/main" w="9525">
                     <a:solidFill>
                       <a:srgbClr val="000000"/>
                     </a:solidFill>
@@ -10091,7 +10091,7 @@
               </a:ln>
               <a:extLst>
                 <a:ext uri="{91240B29-F687-4f45-9708-019B960494DF}">
-                  <a14:hiddenLine xmlns:a14="http://schemas.microsoft.com/office/drawing/2010/main" xmlns="" w="9525">
+                  <a14:hiddenLine xmlns="" xmlns:a14="http://schemas.microsoft.com/office/drawing/2010/main" w="9525">
                     <a:solidFill>
                       <a:srgbClr val="000000"/>
                     </a:solidFill>
@@ -10153,7 +10153,7 @@
               </a:ln>
               <a:extLst>
                 <a:ext uri="{91240B29-F687-4f45-9708-019B960494DF}">
-                  <a14:hiddenLine xmlns:a14="http://schemas.microsoft.com/office/drawing/2010/main" xmlns="" w="9525">
+                  <a14:hiddenLine xmlns="" xmlns:a14="http://schemas.microsoft.com/office/drawing/2010/main" w="9525">
                     <a:solidFill>
                       <a:srgbClr val="000000"/>
                     </a:solidFill>
@@ -10243,7 +10243,7 @@
               </a:ln>
               <a:extLst>
                 <a:ext uri="{91240B29-F687-4f45-9708-019B960494DF}">
-                  <a14:hiddenLine xmlns:a14="http://schemas.microsoft.com/office/drawing/2010/main" xmlns="" w="9525">
+                  <a14:hiddenLine xmlns="" xmlns:a14="http://schemas.microsoft.com/office/drawing/2010/main" w="9525">
                     <a:solidFill>
                       <a:srgbClr val="000000"/>
                     </a:solidFill>
@@ -10277,7 +10277,7 @@
               </a:ln>
               <a:extLst>
                 <a:ext uri="{91240B29-F687-4f45-9708-019B960494DF}">
-                  <a14:hiddenLine xmlns:a14="http://schemas.microsoft.com/office/drawing/2010/main" xmlns="" w="9525">
+                  <a14:hiddenLine xmlns="" xmlns:a14="http://schemas.microsoft.com/office/drawing/2010/main" w="9525">
                     <a:solidFill>
                       <a:srgbClr val="000000"/>
                     </a:solidFill>
@@ -10342,7 +10342,7 @@
               </a:ln>
               <a:extLst>
                 <a:ext uri="{91240B29-F687-4f45-9708-019B960494DF}">
-                  <a14:hiddenLine xmlns:a14="http://schemas.microsoft.com/office/drawing/2010/main" xmlns="" w="9525">
+                  <a14:hiddenLine xmlns="" xmlns:a14="http://schemas.microsoft.com/office/drawing/2010/main" w="9525">
                     <a:solidFill>
                       <a:srgbClr val="000000"/>
                     </a:solidFill>
@@ -10432,7 +10432,7 @@
               </a:ln>
               <a:extLst>
                 <a:ext uri="{91240B29-F687-4f45-9708-019B960494DF}">
-                  <a14:hiddenLine xmlns:a14="http://schemas.microsoft.com/office/drawing/2010/main" xmlns="" w="9525">
+                  <a14:hiddenLine xmlns="" xmlns:a14="http://schemas.microsoft.com/office/drawing/2010/main" w="9525">
                     <a:solidFill>
                       <a:srgbClr val="000000"/>
                     </a:solidFill>
@@ -10494,7 +10494,7 @@
               </a:ln>
               <a:extLst>
                 <a:ext uri="{91240B29-F687-4f45-9708-019B960494DF}">
-                  <a14:hiddenLine xmlns:a14="http://schemas.microsoft.com/office/drawing/2010/main" xmlns="" w="9525">
+                  <a14:hiddenLine xmlns="" xmlns:a14="http://schemas.microsoft.com/office/drawing/2010/main" w="9525">
                     <a:solidFill>
                       <a:srgbClr val="000000"/>
                     </a:solidFill>
@@ -10584,7 +10584,7 @@
               </a:ln>
               <a:extLst>
                 <a:ext uri="{91240B29-F687-4f45-9708-019B960494DF}">
-                  <a14:hiddenLine xmlns:a14="http://schemas.microsoft.com/office/drawing/2010/main" xmlns="" w="9525">
+                  <a14:hiddenLine xmlns="" xmlns:a14="http://schemas.microsoft.com/office/drawing/2010/main" w="9525">
                     <a:solidFill>
                       <a:srgbClr val="000000"/>
                     </a:solidFill>
@@ -10649,7 +10649,7 @@
               </a:ln>
               <a:extLst>
                 <a:ext uri="{91240B29-F687-4f45-9708-019B960494DF}">
-                  <a14:hiddenLine xmlns:a14="http://schemas.microsoft.com/office/drawing/2010/main" xmlns="" w="9525">
+                  <a14:hiddenLine xmlns="" xmlns:a14="http://schemas.microsoft.com/office/drawing/2010/main" w="9525">
                     <a:solidFill>
                       <a:srgbClr val="000000"/>
                     </a:solidFill>
@@ -10711,7 +10711,7 @@
               </a:ln>
               <a:extLst>
                 <a:ext uri="{91240B29-F687-4f45-9708-019B960494DF}">
-                  <a14:hiddenLine xmlns:a14="http://schemas.microsoft.com/office/drawing/2010/main" xmlns="" w="9525">
+                  <a14:hiddenLine xmlns="" xmlns:a14="http://schemas.microsoft.com/office/drawing/2010/main" w="9525">
                     <a:solidFill>
                       <a:srgbClr val="000000"/>
                     </a:solidFill>
@@ -10801,7 +10801,7 @@
               </a:ln>
               <a:extLst>
                 <a:ext uri="{91240B29-F687-4f45-9708-019B960494DF}">
-                  <a14:hiddenLine xmlns:a14="http://schemas.microsoft.com/office/drawing/2010/main" xmlns="" w="9525">
+                  <a14:hiddenLine xmlns="" xmlns:a14="http://schemas.microsoft.com/office/drawing/2010/main" w="9525">
                     <a:solidFill>
                       <a:srgbClr val="000000"/>
                     </a:solidFill>
@@ -10891,7 +10891,7 @@
               </a:ln>
               <a:extLst>
                 <a:ext uri="{91240B29-F687-4f45-9708-019B960494DF}">
-                  <a14:hiddenLine xmlns:a14="http://schemas.microsoft.com/office/drawing/2010/main" xmlns="" w="9525">
+                  <a14:hiddenLine xmlns="" xmlns:a14="http://schemas.microsoft.com/office/drawing/2010/main" w="9525">
                     <a:solidFill>
                       <a:srgbClr val="000000"/>
                     </a:solidFill>
@@ -10956,7 +10956,7 @@
               </a:ln>
               <a:extLst>
                 <a:ext uri="{91240B29-F687-4f45-9708-019B960494DF}">
-                  <a14:hiddenLine xmlns:a14="http://schemas.microsoft.com/office/drawing/2010/main" xmlns="" w="9525">
+                  <a14:hiddenLine xmlns="" xmlns:a14="http://schemas.microsoft.com/office/drawing/2010/main" w="9525">
                     <a:solidFill>
                       <a:srgbClr val="000000"/>
                     </a:solidFill>
@@ -11076,7 +11076,7 @@
               </a:ln>
               <a:extLst>
                 <a:ext uri="{91240B29-F687-4f45-9708-019B960494DF}">
-                  <a14:hiddenLine xmlns:a14="http://schemas.microsoft.com/office/drawing/2010/main" xmlns="" w="9525">
+                  <a14:hiddenLine xmlns="" xmlns:a14="http://schemas.microsoft.com/office/drawing/2010/main" w="9525">
                     <a:solidFill>
                       <a:srgbClr val="000000"/>
                     </a:solidFill>
@@ -11174,7 +11174,7 @@
               </a:ln>
               <a:extLst>
                 <a:ext uri="{91240B29-F687-4f45-9708-019B960494DF}">
-                  <a14:hiddenLine xmlns:a14="http://schemas.microsoft.com/office/drawing/2010/main" xmlns="" w="9525">
+                  <a14:hiddenLine xmlns="" xmlns:a14="http://schemas.microsoft.com/office/drawing/2010/main" w="9525">
                     <a:solidFill>
                       <a:srgbClr val="000000"/>
                     </a:solidFill>
@@ -11289,7 +11289,7 @@
               </a:ln>
               <a:extLst>
                 <a:ext uri="{91240B29-F687-4f45-9708-019B960494DF}">
-                  <a14:hiddenLine xmlns:a14="http://schemas.microsoft.com/office/drawing/2010/main" xmlns="" w="9525">
+                  <a14:hiddenLine xmlns="" xmlns:a14="http://schemas.microsoft.com/office/drawing/2010/main" w="9525">
                     <a:solidFill>
                       <a:srgbClr val="000000"/>
                     </a:solidFill>
@@ -11379,7 +11379,7 @@
               </a:ln>
               <a:extLst>
                 <a:ext uri="{91240B29-F687-4f45-9708-019B960494DF}">
-                  <a14:hiddenLine xmlns:a14="http://schemas.microsoft.com/office/drawing/2010/main" xmlns="" w="9525">
+                  <a14:hiddenLine xmlns="" xmlns:a14="http://schemas.microsoft.com/office/drawing/2010/main" w="9525">
                     <a:solidFill>
                       <a:srgbClr val="000000"/>
                     </a:solidFill>
@@ -11444,7 +11444,7 @@
               </a:ln>
               <a:extLst>
                 <a:ext uri="{91240B29-F687-4f45-9708-019B960494DF}">
-                  <a14:hiddenLine xmlns:a14="http://schemas.microsoft.com/office/drawing/2010/main" xmlns="" w="9525">
+                  <a14:hiddenLine xmlns="" xmlns:a14="http://schemas.microsoft.com/office/drawing/2010/main" w="9525">
                     <a:solidFill>
                       <a:srgbClr val="000000"/>
                     </a:solidFill>
@@ -11534,7 +11534,7 @@
               </a:ln>
               <a:extLst>
                 <a:ext uri="{91240B29-F687-4f45-9708-019B960494DF}">
-                  <a14:hiddenLine xmlns:a14="http://schemas.microsoft.com/office/drawing/2010/main" xmlns="" w="9525">
+                  <a14:hiddenLine xmlns="" xmlns:a14="http://schemas.microsoft.com/office/drawing/2010/main" w="9525">
                     <a:solidFill>
                       <a:srgbClr val="000000"/>
                     </a:solidFill>
@@ -11602,7 +11602,7 @@
               </a:ln>
               <a:extLst>
                 <a:ext uri="{91240B29-F687-4f45-9708-019B960494DF}">
-                  <a14:hiddenLine xmlns:a14="http://schemas.microsoft.com/office/drawing/2010/main" xmlns="" w="9525">
+                  <a14:hiddenLine xmlns="" xmlns:a14="http://schemas.microsoft.com/office/drawing/2010/main" w="9525">
                     <a:solidFill>
                       <a:srgbClr val="000000"/>
                     </a:solidFill>
@@ -11692,7 +11692,7 @@
               </a:ln>
               <a:extLst>
                 <a:ext uri="{91240B29-F687-4f45-9708-019B960494DF}">
-                  <a14:hiddenLine xmlns:a14="http://schemas.microsoft.com/office/drawing/2010/main" xmlns="" w="9525">
+                  <a14:hiddenLine xmlns="" xmlns:a14="http://schemas.microsoft.com/office/drawing/2010/main" w="9525">
                     <a:solidFill>
                       <a:srgbClr val="000000"/>
                     </a:solidFill>
@@ -11760,7 +11760,7 @@
               </a:ln>
               <a:extLst>
                 <a:ext uri="{91240B29-F687-4f45-9708-019B960494DF}">
-                  <a14:hiddenLine xmlns:a14="http://schemas.microsoft.com/office/drawing/2010/main" xmlns="" w="9525">
+                  <a14:hiddenLine xmlns="" xmlns:a14="http://schemas.microsoft.com/office/drawing/2010/main" w="9525">
                     <a:solidFill>
                       <a:srgbClr val="000000"/>
                     </a:solidFill>
@@ -11850,7 +11850,7 @@
               </a:ln>
               <a:extLst>
                 <a:ext uri="{91240B29-F687-4f45-9708-019B960494DF}">
-                  <a14:hiddenLine xmlns:a14="http://schemas.microsoft.com/office/drawing/2010/main" xmlns="" w="9525">
+                  <a14:hiddenLine xmlns="" xmlns:a14="http://schemas.microsoft.com/office/drawing/2010/main" w="9525">
                     <a:solidFill>
                       <a:srgbClr val="000000"/>
                     </a:solidFill>
@@ -11884,7 +11884,7 @@
               </a:ln>
               <a:extLst>
                 <a:ext uri="{91240B29-F687-4f45-9708-019B960494DF}">
-                  <a14:hiddenLine xmlns:a14="http://schemas.microsoft.com/office/drawing/2010/main" xmlns="" w="9525">
+                  <a14:hiddenLine xmlns="" xmlns:a14="http://schemas.microsoft.com/office/drawing/2010/main" w="9525">
                     <a:solidFill>
                       <a:srgbClr val="000000"/>
                     </a:solidFill>
@@ -12024,7 +12024,7 @@
           <a:p>
             <a:fld id="{B85948E5-B690-4847-83B9-BA9B9A1CA96D}" type="datetimeFigureOut">
               <a:rPr lang="en-US" smtClean="0"/>
-              <a:t>4/13/22</a:t>
+              <a:t>4/14/22</a:t>
             </a:fld>
             <a:endParaRPr lang="en-US"/>
           </a:p>
@@ -13277,40 +13277,11 @@
             <a:pPr algn="ctr"/>
             <a:r>
               <a:rPr lang="en-US" dirty="0"/>
-              <a:t>Number of Disapproved ana Approved Loans by Gender</a:t>
+              <a:t>Number of Disapproved and Approved Loans by Gender</a:t>
             </a:r>
           </a:p>
         </p:txBody>
       </p:sp>
-      <p:pic>
-        <p:nvPicPr>
-          <p:cNvPr id="5" name="Content Placeholder 4">
-            <a:extLst>
-              <a:ext uri="{FF2B5EF4-FFF2-40B4-BE49-F238E27FC236}">
-                <a16:creationId xmlns:a16="http://schemas.microsoft.com/office/drawing/2014/main" id="{1CE8875F-17CD-FD43-838F-28D8B1F8D5D8}"/>
-              </a:ext>
-            </a:extLst>
-          </p:cNvPr>
-          <p:cNvPicPr>
-            <a:picLocks noGrp="1" noChangeAspect="1"/>
-          </p:cNvPicPr>
-          <p:nvPr>
-            <p:ph idx="1"/>
-          </p:nvPr>
-        </p:nvPicPr>
-        <p:blipFill>
-          <a:blip r:embed="rId2"/>
-          <a:stretch>
-            <a:fillRect/>
-          </a:stretch>
-        </p:blipFill>
-        <p:spPr>
-          <a:xfrm>
-            <a:off x="868280" y="1550823"/>
-            <a:ext cx="7438865" cy="4339338"/>
-          </a:xfrm>
-        </p:spPr>
-      </p:pic>
       <p:sp>
         <p:nvSpPr>
           <p:cNvPr id="6" name="TextBox 5">
@@ -13443,6 +13414,35 @@
           </a:p>
         </p:txBody>
       </p:sp>
+      <p:pic>
+        <p:nvPicPr>
+          <p:cNvPr id="16" name="Content Placeholder 15">
+            <a:extLst>
+              <a:ext uri="{FF2B5EF4-FFF2-40B4-BE49-F238E27FC236}">
+                <a16:creationId xmlns:a16="http://schemas.microsoft.com/office/drawing/2014/main" id="{927A8B86-BECF-5F48-BB1C-64C37FE048EF}"/>
+              </a:ext>
+            </a:extLst>
+          </p:cNvPr>
+          <p:cNvPicPr>
+            <a:picLocks noGrp="1" noChangeAspect="1"/>
+          </p:cNvPicPr>
+          <p:nvPr>
+            <p:ph idx="1"/>
+          </p:nvPr>
+        </p:nvPicPr>
+        <p:blipFill>
+          <a:blip r:embed="rId2"/>
+          <a:stretch>
+            <a:fillRect/>
+          </a:stretch>
+        </p:blipFill>
+        <p:spPr>
+          <a:xfrm>
+            <a:off x="902219" y="1550823"/>
+            <a:ext cx="7544921" cy="4401204"/>
+          </a:xfrm>
+        </p:spPr>
+      </p:pic>
     </p:spTree>
     <p:extLst>
       <p:ext uri="{BB962C8B-B14F-4D97-AF65-F5344CB8AC3E}">
@@ -13639,7 +13639,11 @@
             </a:r>
             <a:r>
               <a:rPr lang="en-US" dirty="0"/>
-              <a:t>- Random Forest.</a:t>
+              <a:t>- </a:t>
+            </a:r>
+            <a:r>
+              <a:rPr lang="en-US" b="1" dirty="0"/>
+              <a:t>Random Forest</a:t>
             </a:r>
           </a:p>
           <a:p>
@@ -13797,6 +13801,13 @@
             <a:r>
               <a:rPr lang="en-US" dirty="0"/>
               <a:t>purpose of the loan</a:t>
+            </a:r>
+          </a:p>
+          <a:p>
+            <a:pPr lvl="1"/>
+            <a:r>
+              <a:rPr lang="en-US" dirty="0"/>
+              <a:t>collateral available to secure the loan</a:t>
             </a:r>
           </a:p>
           <a:p>
